--- a/mhw2.pptx
+++ b/mhw2.pptx
@@ -116,6 +116,11 @@
       </a:defRPr>
     </a:lvl9pPr>
   </p:defaultTextStyle>
+  <p:extLst>
+    <p:ext uri="{EFAFB233-063F-42B5-8137-9DF3F51BA10A}">
+      <p15:sldGuideLst xmlns:p15="http://schemas.microsoft.com/office/powerpoint/2012/main"/>
+    </p:ext>
+  </p:extLst>
 </p:presentation>
 </file>
 
@@ -3544,7 +3549,7 @@
             </a:r>
             <a:r>
               <a:rPr lang="it-IT" dirty="0"/>
-              <a:t> attuale è salvata nel parametro stringa</a:t>
+              <a:t> attuale è trasmessa tramite il parametro stringa</a:t>
             </a:r>
           </a:p>
         </p:txBody>
@@ -3641,7 +3646,7 @@
               <a:rPr lang="it-IT" sz="2000" dirty="0" err="1">
                 <a:latin typeface="+mn-lt"/>
               </a:rPr>
-              <a:t>sottosito</a:t>
+              <a:t>sottoSito</a:t>
             </a:r>
             <a:r>
               <a:rPr lang="it-IT" sz="2000" dirty="0">
@@ -3665,13 +3670,13 @@
               <a:rPr lang="it-IT" sz="2000" dirty="0" err="1">
                 <a:latin typeface="+mn-lt"/>
               </a:rPr>
-              <a:t>sottosito</a:t>
+              <a:t>sottoSito</a:t>
             </a:r>
             <a:r>
               <a:rPr lang="it-IT" sz="2000" dirty="0">
                 <a:latin typeface="+mn-lt"/>
               </a:rPr>
-              <a:t> e il body overlay. Anche i vari videogiochi saranno ripristinati alla situazione iniziale, quindi mostrati se nascosti e rimpiccioliti se aperti. L’unica cosa che non viene toccata è la sezione preferiti</a:t>
+              <a:t> e il body overlay. Anche i vari videogiochi saranno ripristinati alla situazione iniziale, quindi mostrati se nascosti e rimpiccioliti se aperti. L’unica cosa che non viene toccata è la sezione preferiti che resta cosi come è</a:t>
             </a:r>
           </a:p>
         </p:txBody>
@@ -3882,7 +3887,7 @@
               <a:rPr lang="it-IT" sz="2000" dirty="0">
                 <a:latin typeface="+mn-lt"/>
               </a:rPr>
-              <a:t>Per quanto riguarda il </a:t>
+              <a:t>Per il </a:t>
             </a:r>
             <a:r>
               <a:rPr lang="it-IT" sz="2000" dirty="0" err="1">
@@ -3894,7 +3899,7 @@
               <a:rPr lang="it-IT" sz="2000" dirty="0">
                 <a:latin typeface="+mn-lt"/>
               </a:rPr>
-              <a:t> mi sento di far notare solo questi 4 </a:t>
+              <a:t>, invece, mi sento di far notare solo questi 4 </a:t>
             </a:r>
             <a:r>
               <a:rPr lang="it-IT" sz="2000" dirty="0" err="1">
@@ -3906,7 +3911,7 @@
               <a:rPr lang="it-IT" sz="2000" dirty="0">
                 <a:latin typeface="+mn-lt"/>
               </a:rPr>
-              <a:t>. Nelle tre immagini io gioco con dimensioni e padding pero poter variare la grandezza dell’immagine senza provocare spostamenti negli elementi vicini, mentre per l’input disabilito l’</a:t>
+              <a:t>. Nelle tre immagini io gioco con dimensioni e padding per poter variare la grandezza dell’immagine senza provocare spostamenti negli elementi vicini, mentre per l’input disabilito l’</a:t>
             </a:r>
             <a:r>
               <a:rPr lang="it-IT" sz="2000" dirty="0" err="1">
@@ -3918,17 +3923,20 @@
               <a:rPr lang="it-IT" sz="2000" dirty="0">
                 <a:latin typeface="+mn-lt"/>
               </a:rPr>
-              <a:t> cosi da poter mettere i bordi arrotondati che ho utilizzato in tutto il sito </a:t>
+              <a:t> cosi da poter mettere </a:t>
             </a:r>
             <a:r>
               <a:rPr lang="it-IT" sz="2000">
                 <a:latin typeface="+mn-lt"/>
               </a:rPr>
-              <a:t>(stonerebbe se no)</a:t>
-            </a:r>
-            <a:endParaRPr lang="it-IT" sz="2000" dirty="0">
-              <a:latin typeface="+mn-lt"/>
-            </a:endParaRPr>
+              <a:t>gli stessi bordi </a:t>
+            </a:r>
+            <a:r>
+              <a:rPr lang="it-IT" sz="2000" dirty="0">
+                <a:latin typeface="+mn-lt"/>
+              </a:rPr>
+              <a:t>arrotondati che ho utilizzato in tutto il sito</a:t>
+            </a:r>
           </a:p>
         </p:txBody>
       </p:sp>
@@ -3984,7 +3992,7 @@
         <p:spPr>
           <a:xfrm>
             <a:off x="571752" y="2573368"/>
-            <a:ext cx="2431840" cy="3573316"/>
+            <a:ext cx="2431840" cy="3569063"/>
           </a:xfrm>
           <a:prstGeom prst="rect">
             <a:avLst/>
@@ -4108,7 +4116,13 @@
               <a:rPr lang="it-IT" sz="2000" dirty="0">
                 <a:latin typeface="+mn-lt"/>
               </a:rPr>
-              <a:t>Il nucleo del mhw2 è questa sezione del mhw1. Cliccano su ogni blocco si aprirà una nuova sezione a tema, che elenca i vari giochi della sua categoria</a:t>
+              <a:t>Il nucleo del mhw2 è questa sezione del mhw1. Cliccano su ogni blocco si aprirà una nuova sezione a tema, che elenca i vari giochi </a:t>
+            </a:r>
+            <a:r>
+              <a:rPr lang="it-IT" sz="2000" dirty="0" err="1">
+                <a:latin typeface="+mn-lt"/>
+              </a:rPr>
+              <a:t>dellacategoria</a:t>
             </a:r>
             <a:br>
               <a:rPr lang="it-IT" sz="2000" dirty="0">
@@ -4119,7 +4133,19 @@
               <a:rPr lang="it-IT" sz="2000" dirty="0">
                 <a:latin typeface="+mn-lt"/>
               </a:rPr>
-              <a:t>Nota: il blocco «Tutto» raccoglie tutti i giochi, con i suoi pro e i suoi contro di cui parlerò più       avanti</a:t>
+              <a:t>Nota: il blocco «Tutto» raccoglie tutti i giochi e questo comporterà una serie di </a:t>
+            </a:r>
+            <a:r>
+              <a:rPr lang="it-IT" sz="2000" dirty="0" err="1">
+                <a:latin typeface="+mn-lt"/>
+              </a:rPr>
+              <a:t>ploblematiche</a:t>
+            </a:r>
+            <a:r>
+              <a:rPr lang="it-IT" sz="2000" dirty="0">
+                <a:latin typeface="+mn-lt"/>
+              </a:rPr>
+              <a:t> di cui parlerò avanti</a:t>
             </a:r>
           </a:p>
         </p:txBody>
@@ -4245,7 +4271,7 @@
           <a:p>
             <a:r>
               <a:rPr lang="it-IT" dirty="0"/>
-              <a:t>Prima l’</a:t>
+              <a:t>Nel mhw1 l’</a:t>
             </a:r>
             <a:r>
               <a:rPr lang="it-IT" dirty="0" err="1"/>
@@ -4261,15 +4287,7 @@
             </a:r>
             <a:r>
               <a:rPr lang="it-IT" dirty="0"/>
-              <a:t>, ma era un po’ forzato, quindi ho deciso di riscrivere tutto in java.  Siccome l’immagine essere tolta dal background, la applico attraverso un attributo in </a:t>
-            </a:r>
-            <a:r>
-              <a:rPr lang="it-IT" dirty="0" err="1"/>
-              <a:t>css</a:t>
-            </a:r>
-            <a:r>
-              <a:rPr lang="it-IT" dirty="0"/>
-              <a:t>, poi quando con il mouse passo sopra il blocco vaso a cambiare tale attributo associandogli la relativa chiave della mappa index (utile anche per altri scopi). A questo punto sistemo il blocco, tolgo la classe </a:t>
+              <a:t>, ma era un po’ forzato, quindi ho deciso di riscrivere tutto in java.  Siccome l’immagine essere tolta dal background, la applico attraverso un attributo, poi quando il mouse passa sopra il blocco vado a cambiare tale attributo associandogli la relativa chiave della mappa index (cosi da poter poi tornare indietro). A questo punto sistemo il blocco, tolgo la classe </a:t>
             </a:r>
             <a:r>
               <a:rPr lang="it-IT" dirty="0" err="1"/>
@@ -4466,7 +4484,7 @@
               <a:rPr lang="it-IT" sz="2000" dirty="0">
                 <a:latin typeface="+mn-lt"/>
               </a:rPr>
-              <a:t>Questa è la pagina principale del mhw2. La creazione è molto meccanica, sono tante righe delle solite 4 funzioni. L’unica un po’ interessante è che sarà diverso in base alla categoria. Titolo e didascalia li vado a prendere dal blocco su cui ho cliccato, cosi come il valore dell’attributo per avere la stessa immagine di sfondo (essendoci già passato sopra il blocco non avrà il valore esatto, ma conterrà la chiave per andare a prenderlo nella mappa index). Poi i vari giochi saranno associati in base alla loro categoria, riportata in contents.js.</a:t>
+              <a:t>Questa è la pagina principale del mhw2. La creazione è molto meccanica, sono tante righe delle solite 4 funzioni. L’unica cosa un po’ interessante è che sarà diverso in base alla categoria. Titolo e didascalia li vado a prendere dal blocco su cui ho cliccato, cosi come il valore dell’attributo per avere la stessa immagine di sfondo (essendoci già passato sopra l’attributo non avrà il valore esatto, ma conterrà la chiave per andare a prenderlo nella mappa index). I vari giochi saranno associati in base alla loro categoria, riportata in contents.js.</a:t>
             </a:r>
           </a:p>
         </p:txBody>
@@ -4644,7 +4662,7 @@
             </a:r>
             <a:r>
               <a:rPr lang="it-IT" dirty="0"/>
-              <a:t> della categoria  che mi serve e quindi se va creato o semplicemente mostrato. Successivamente configuro la struttura </a:t>
+              <a:t> della categoria  che mi serve e se di conseguenza va creato o semplicemente mostrato. Successivamente configuro la struttura </a:t>
             </a:r>
             <a:r>
               <a:rPr lang="it-IT" dirty="0" err="1"/>
@@ -4656,7 +4674,7 @@
             </a:r>
             <a:r>
               <a:rPr lang="it-IT" dirty="0" err="1"/>
-              <a:t>sottoAito</a:t>
+              <a:t>sottoSito</a:t>
             </a:r>
             <a:r>
               <a:rPr lang="it-IT" dirty="0"/>
@@ -4836,7 +4854,7 @@
             </a:r>
             <a:r>
               <a:rPr lang="it-IT" dirty="0"/>
-              <a:t>..) sia in «Tutto». Se apro la categoria fps, indico </a:t>
+              <a:t>..) sia in «Tutto». Se, ad esempio, apro la categoria fps, indico </a:t>
             </a:r>
             <a:r>
               <a:rPr lang="it-IT" dirty="0" err="1"/>
@@ -4844,7 +4862,7 @@
             </a:r>
             <a:r>
               <a:rPr lang="it-IT" dirty="0"/>
-              <a:t> come preferito, mi aspetto che se successivamente vado nella categoria «Tutto» (per la prima volta) sia fra preferiti anche qui. Per questo motivo, salvo il codice dei giochi che via via metto fra i preferiti in questo array e, in fase di creazione, verifico se il blocco che sto creando è di un gioco il cui codice è salvato cosi. In questo caso affermativo, modifico il blocco e creo il corrispettivo elemento preferito anche nella nuova sezione.</a:t>
+              <a:t> come preferito, mi aspetto che se successivamente vado nella categoria «Tutto» (per la prima volta) sia fra preferiti anche li. Per questo motivo, salvo il codice dei giochi che via via metto fra i preferiti in questo array e, in fase di creazione, verifico se il blocco che sto creando è di un gioco il cui codice è salvato in tale array. In caso affermativo, modifico il blocco e creo il corrispettivo elemento preferito anche nella nuova sezione.</a:t>
             </a:r>
           </a:p>
         </p:txBody>
@@ -4989,7 +5007,12 @@
             <p:ph type="body" sz="half" idx="2"/>
           </p:nvPr>
         </p:nvSpPr>
-        <p:spPr/>
+        <p:spPr>
+          <a:xfrm>
+            <a:off x="839788" y="2057399"/>
+            <a:ext cx="3932237" cy="4452401"/>
+          </a:xfrm>
+        </p:spPr>
         <p:txBody>
           <a:bodyPr>
             <a:normAutofit/>
@@ -4998,7 +5021,7 @@
           <a:p>
             <a:r>
               <a:rPr lang="it-IT" dirty="0"/>
-              <a:t>Quando creo un nuovo gioco (come si può vedere nei due piccoli screen) associo all’attributo codice due valori: Il valore concatenato codice + </a:t>
+              <a:t>Ad ogni videogioco nel database è associato un codice univoco. Quando nel sito creo un nuovo blocco gioco (come si può vedere nei due piccoli screen) associo all’attributo codice due valori: Il valore concatenato codice + </a:t>
             </a:r>
             <a:r>
               <a:rPr lang="it-IT" dirty="0" err="1"/>
@@ -5006,7 +5029,7 @@
             </a:r>
             <a:r>
               <a:rPr lang="it-IT" dirty="0"/>
-              <a:t> per l’elemento generale che contiene tutto e il valore codice per l’immagine della stellina. Quando clicco su questa, salva il suo codice nell’array giochi preferiti e fa la ricerca in tutto il documento di elementi con attributo codice = codice + </a:t>
+              <a:t> per l’elemento generale che contiene tutto e il valore codice per l’immagine della stellina. Quando clicco su quest’ultima, salva il suo codice nell’array giochi preferiti e fa la ricerca in tutto il documento di elementi con attributo codice = codice + </a:t>
             </a:r>
             <a:r>
               <a:rPr lang="it-IT" dirty="0" err="1"/>
@@ -5014,8 +5037,13 @@
             </a:r>
             <a:r>
               <a:rPr lang="it-IT" dirty="0"/>
-              <a:t> (al massimo due). Faccio i cambiamenti che devo fare, poi mi trovo la rispettiva sezione preferiti (visto che posso lavorare su una o due categorie in base a quante ne ho già create) e qui appendo il nuovo elemento preferito. Ovviamente se preferiti è nascosta, la mostro</a:t>
-            </a:r>
+              <a:t> (al massimo due). Faccio i cambiamenti che devo fare, poi mi trovo la rispettiva sezione preferiti (visto che posso lavorare su una o due categorie in base a quante ne ho già create) e qui appendo il nuovo elemento preferito. Ovviamente se la sezione preferiti è nascosta, la mostro togliendo la classe </a:t>
+            </a:r>
+            <a:r>
+              <a:rPr lang="it-IT" dirty="0" err="1"/>
+              <a:t>hidden</a:t>
+            </a:r>
+            <a:endParaRPr lang="it-IT" dirty="0"/>
           </a:p>
           <a:p>
             <a:pPr marL="342900" indent="-342900">
@@ -5263,7 +5291,7 @@
           <a:p>
             <a:r>
               <a:rPr lang="it-IT" dirty="0"/>
-              <a:t>Quando creo un preferito, definisco la concatenazione codice + preferito come il valore dell’attributo codice relativo a tale elemento cosi da poterlo individuare facilmente. Quindi, non appena clicco sulla stella-meno (dove sarà salvato il codice usando lo stesso attributo) mi salvo i vari codici e trovo tutti gli elementi non preferiti e preferiti. A questo punto se è un elemento della sezione preferiti, mi faccio dare la sezione, lo elemino e controllo se devo nascondere la sezione o no. Se, invece, è un elemento dell’altra sezione mi limito a riportarlo alle condizioni iniziali. Per concludere elimino il codice fra l’elenco dei codici dei giochi preferiti.</a:t>
+              <a:t>Nel momento in cui creo un blocco preferito, definisco la concatenazione codice + preferito come il valore dell’attributo codice relativo a tale elemento cosi da poterlo individuare facilmente. Quindi, non appena clicco sulla stella-meno (dove sarà salvato il codice usando lo stesso attributo) mi salvo i vari codici e trovo tutti gli elementi non preferiti e preferiti. A questo punto se è un elemento della sezione preferiti, mi faccio dare la sezione, lo elemino e controllo se devo nascondere la sezione o no. Se, invece, è un elemento della sezione non preferiti mi limito a riportarlo alle condizioni iniziali. Per concludere elimino il codice fra l’elenco dei codici dei giochi preferiti.</a:t>
             </a:r>
           </a:p>
         </p:txBody>
@@ -5391,7 +5419,7 @@
           <a:p>
             <a:r>
               <a:rPr lang="it-IT" dirty="0"/>
-              <a:t>Ho voluto complicarmi la vita. Pere rendere il tutto più efficiente lavoro sempre con solo l’ultima lettera inserita o tolta. Uso </a:t>
+              <a:t>Ho voluto complicarmi la vita. Per rendere il tutto più efficiente lavoro sempre con solo l’ultima lettera inserita o tolta. Uso </a:t>
             </a:r>
             <a:r>
               <a:rPr lang="it-IT" dirty="0" err="1"/>
